--- a/Presentation.pptx
+++ b/Presentation.pptx
@@ -131,6 +131,11 @@
       </a:defRPr>
     </a:lvl9pPr>
   </p:defaultTextStyle>
+  <p:extLst>
+    <p:ext uri="{EFAFB233-063F-42B5-8137-9DF3F51BA10A}">
+      <p15:sldGuideLst xmlns:p15="http://schemas.microsoft.com/office/powerpoint/2012/main"/>
+    </p:ext>
+  </p:extLst>
 </p:presentation>
 </file>
 
@@ -147,7 +152,7 @@
   <pc:docChgLst>
     <pc:chgData name="MUHAMMED NAZMUL AREFIN" userId="300bdde9-1e87-4160-926b-032dafd19480" providerId="ADAL" clId="{60FDFA60-A7A4-3B46-8CA0-F5520CF6051A}"/>
     <pc:docChg chg="undo custSel addSld delSld modSld">
-      <pc:chgData name="MUHAMMED NAZMUL AREFIN" userId="300bdde9-1e87-4160-926b-032dafd19480" providerId="ADAL" clId="{60FDFA60-A7A4-3B46-8CA0-F5520CF6051A}" dt="2025-04-26T20:38:19.033" v="189" actId="26606"/>
+      <pc:chgData name="MUHAMMED NAZMUL AREFIN" userId="300bdde9-1e87-4160-926b-032dafd19480" providerId="ADAL" clId="{60FDFA60-A7A4-3B46-8CA0-F5520CF6051A}" dt="2025-04-27T15:58:06.295" v="195" actId="20577"/>
       <pc:docMkLst>
         <pc:docMk/>
       </pc:docMkLst>
@@ -1023,7 +1028,7 @@
         </pc:spChg>
       </pc:sldChg>
       <pc:sldChg chg="addSp delSp modSp new mod setBg">
-        <pc:chgData name="MUHAMMED NAZMUL AREFIN" userId="300bdde9-1e87-4160-926b-032dafd19480" providerId="ADAL" clId="{60FDFA60-A7A4-3B46-8CA0-F5520CF6051A}" dt="2025-04-26T20:38:10.797" v="187" actId="26606"/>
+        <pc:chgData name="MUHAMMED NAZMUL AREFIN" userId="300bdde9-1e87-4160-926b-032dafd19480" providerId="ADAL" clId="{60FDFA60-A7A4-3B46-8CA0-F5520CF6051A}" dt="2025-04-27T15:57:52.043" v="191" actId="20577"/>
         <pc:sldMkLst>
           <pc:docMk/>
           <pc:sldMk cId="1920643542" sldId="278"/>
@@ -1084,8 +1089,8 @@
             <ac:spMk id="12" creationId="{E720DB99-7745-4E75-9D96-AAB6D55C531E}"/>
           </ac:spMkLst>
         </pc:spChg>
-        <pc:spChg chg="add">
-          <ac:chgData name="MUHAMMED NAZMUL AREFIN" userId="300bdde9-1e87-4160-926b-032dafd19480" providerId="ADAL" clId="{60FDFA60-A7A4-3B46-8CA0-F5520CF6051A}" dt="2025-04-26T20:38:10.797" v="187" actId="26606"/>
+        <pc:spChg chg="add mod">
+          <ac:chgData name="MUHAMMED NAZMUL AREFIN" userId="300bdde9-1e87-4160-926b-032dafd19480" providerId="ADAL" clId="{60FDFA60-A7A4-3B46-8CA0-F5520CF6051A}" dt="2025-04-27T15:57:52.043" v="191" actId="20577"/>
           <ac:spMkLst>
             <pc:docMk/>
             <pc:sldMk cId="1920643542" sldId="278"/>
@@ -1134,7 +1139,7 @@
         </pc:graphicFrameChg>
       </pc:sldChg>
       <pc:sldChg chg="addSp modSp add mod setBg">
-        <pc:chgData name="MUHAMMED NAZMUL AREFIN" userId="300bdde9-1e87-4160-926b-032dafd19480" providerId="ADAL" clId="{60FDFA60-A7A4-3B46-8CA0-F5520CF6051A}" dt="2025-04-26T20:38:15.286" v="188" actId="26606"/>
+        <pc:chgData name="MUHAMMED NAZMUL AREFIN" userId="300bdde9-1e87-4160-926b-032dafd19480" providerId="ADAL" clId="{60FDFA60-A7A4-3B46-8CA0-F5520CF6051A}" dt="2025-04-27T15:58:06.295" v="195" actId="20577"/>
         <pc:sldMkLst>
           <pc:docMk/>
           <pc:sldMk cId="3720072414" sldId="279"/>
@@ -1148,7 +1153,7 @@
           </ac:spMkLst>
         </pc:spChg>
         <pc:spChg chg="mod">
-          <ac:chgData name="MUHAMMED NAZMUL AREFIN" userId="300bdde9-1e87-4160-926b-032dafd19480" providerId="ADAL" clId="{60FDFA60-A7A4-3B46-8CA0-F5520CF6051A}" dt="2025-04-26T20:38:15.286" v="188" actId="26606"/>
+          <ac:chgData name="MUHAMMED NAZMUL AREFIN" userId="300bdde9-1e87-4160-926b-032dafd19480" providerId="ADAL" clId="{60FDFA60-A7A4-3B46-8CA0-F5520CF6051A}" dt="2025-04-27T15:58:06.295" v="195" actId="20577"/>
           <ac:spMkLst>
             <pc:docMk/>
             <pc:sldMk cId="3720072414" sldId="279"/>
@@ -10177,7 +10182,7 @@
           <a:p>
             <a:fld id="{E02C8D5A-F160-8945-B2C8-FAB73E3180C5}" type="datetimeFigureOut">
               <a:rPr lang="en-BD" smtClean="0"/>
-              <a:t>26/4/25</a:t>
+              <a:t>27/4/25</a:t>
             </a:fld>
             <a:endParaRPr lang="en-BD"/>
           </a:p>
@@ -10946,7 +10951,7 @@
           <a:p>
             <a:fld id="{9F21A4E5-7627-B248-894D-079369F06241}" type="datetime1">
               <a:rPr lang="en-US" smtClean="0"/>
-              <a:t>4/26/25</a:t>
+              <a:t>4/27/25</a:t>
             </a:fld>
             <a:endParaRPr lang="en-BD"/>
           </a:p>
@@ -11129,7 +11134,7 @@
           <a:p>
             <a:fld id="{6DCD4F5B-0240-7845-A986-6FDC0FC5ADE6}" type="datetime1">
               <a:rPr lang="en-US" smtClean="0"/>
-              <a:t>4/26/25</a:t>
+              <a:t>4/27/25</a:t>
             </a:fld>
             <a:endParaRPr lang="en-BD"/>
           </a:p>
@@ -11313,7 +11318,7 @@
           <a:p>
             <a:fld id="{3D9995E1-0185-6C49-B264-3A4C9E33E22F}" type="datetime1">
               <a:rPr lang="en-US" smtClean="0"/>
-              <a:t>4/26/25</a:t>
+              <a:t>4/27/25</a:t>
             </a:fld>
             <a:endParaRPr lang="en-BD"/>
           </a:p>
@@ -11487,7 +11492,7 @@
           <a:p>
             <a:fld id="{4AC0679D-4A52-6140-A613-07A1B6C56101}" type="datetime1">
               <a:rPr lang="en-US" smtClean="0"/>
-              <a:t>4/26/25</a:t>
+              <a:t>4/27/25</a:t>
             </a:fld>
             <a:endParaRPr lang="en-BD"/>
           </a:p>
@@ -11812,7 +11817,7 @@
           <a:p>
             <a:fld id="{A601A5A9-E5D8-A244-9660-368CA4386A1F}" type="datetime1">
               <a:rPr lang="en-US" smtClean="0"/>
-              <a:t>4/26/25</a:t>
+              <a:t>4/27/25</a:t>
             </a:fld>
             <a:endParaRPr lang="en-BD"/>
           </a:p>
@@ -12276,7 +12281,7 @@
           <a:p>
             <a:fld id="{D9562782-BAE5-AB45-8F8C-AFF84B7A1704}" type="datetime1">
               <a:rPr lang="en-US" smtClean="0"/>
-              <a:t>4/26/25</a:t>
+              <a:t>4/27/25</a:t>
             </a:fld>
             <a:endParaRPr lang="en-BD"/>
           </a:p>
@@ -12691,7 +12696,7 @@
           <a:p>
             <a:fld id="{E27796DF-E810-5D4C-ADDF-BEB30078B2DE}" type="datetime1">
               <a:rPr lang="en-US" smtClean="0"/>
-              <a:t>4/26/25</a:t>
+              <a:t>4/27/25</a:t>
             </a:fld>
             <a:endParaRPr lang="en-BD"/>
           </a:p>
@@ -12813,7 +12818,7 @@
           <a:p>
             <a:fld id="{F95ABB41-411C-D346-A913-D937B99B030A}" type="datetime1">
               <a:rPr lang="en-US" smtClean="0"/>
-              <a:t>4/26/25</a:t>
+              <a:t>4/27/25</a:t>
             </a:fld>
             <a:endParaRPr lang="en-BD"/>
           </a:p>
@@ -12935,7 +12940,7 @@
           <a:p>
             <a:fld id="{301820AE-F867-BF47-A17F-9615069A917F}" type="datetime1">
               <a:rPr lang="en-US" smtClean="0"/>
-              <a:t>4/26/25</a:t>
+              <a:t>4/27/25</a:t>
             </a:fld>
             <a:endParaRPr lang="en-BD"/>
           </a:p>
@@ -13297,7 +13302,7 @@
           <a:p>
             <a:fld id="{778D4721-A88E-BA49-852B-FADD9C394EC7}" type="datetime1">
               <a:rPr lang="en-US" smtClean="0"/>
-              <a:t>4/26/25</a:t>
+              <a:t>4/27/25</a:t>
             </a:fld>
             <a:endParaRPr lang="en-BD"/>
           </a:p>
@@ -13808,7 +13813,7 @@
           <a:p>
             <a:fld id="{AE0AEF45-4D7C-F848-8C35-B392A020E874}" type="datetime1">
               <a:rPr lang="en-US" smtClean="0"/>
-              <a:t>4/26/25</a:t>
+              <a:t>4/27/25</a:t>
             </a:fld>
             <a:endParaRPr lang="en-BD"/>
           </a:p>
@@ -14163,7 +14168,7 @@
           <a:p>
             <a:fld id="{3C3D4C94-8F35-5644-852B-12D53EE39201}" type="datetime1">
               <a:rPr lang="en-US" smtClean="0"/>
-              <a:t>4/26/25</a:t>
+              <a:t>4/27/25</a:t>
             </a:fld>
             <a:endParaRPr lang="en-BD"/>
           </a:p>
@@ -27469,7 +27474,7 @@
           <a:lstStyle/>
           <a:p>
             <a:r>
-              <a:rPr lang="en-GB" b="1"/>
+              <a:rPr lang="en-GB" b="1" dirty="0"/>
               <a:t>Early Approaches:</a:t>
             </a:r>
           </a:p>
@@ -27479,31 +27484,31 @@
               <a:buChar char="•"/>
             </a:pPr>
             <a:r>
-              <a:rPr lang="en-GB"/>
+              <a:rPr lang="en-GB" dirty="0"/>
               <a:t>Traditional machine learning (e.g., </a:t>
             </a:r>
             <a:r>
-              <a:rPr lang="en-GB" b="1"/>
+              <a:rPr lang="en-GB" b="1" dirty="0"/>
               <a:t>KNN</a:t>
             </a:r>
             <a:r>
-              <a:rPr lang="en-GB"/>
+              <a:rPr lang="en-GB" dirty="0"/>
               <a:t>, </a:t>
             </a:r>
             <a:r>
-              <a:rPr lang="en-GB" b="1"/>
+              <a:rPr lang="en-GB" b="1" dirty="0"/>
               <a:t>SVM</a:t>
             </a:r>
             <a:r>
-              <a:rPr lang="en-GB"/>
+              <a:rPr lang="en-GB" dirty="0"/>
               <a:t>) used handcrafted features like </a:t>
             </a:r>
             <a:r>
-              <a:rPr lang="en-GB" err="1"/>
+              <a:rPr lang="en-GB" dirty="0" err="1"/>
               <a:t>color</a:t>
             </a:r>
             <a:r>
-              <a:rPr lang="en-GB"/>
+              <a:rPr lang="en-GB" dirty="0"/>
               <a:t> and texture.</a:t>
             </a:r>
           </a:p>
@@ -27513,13 +27518,13 @@
               <a:buChar char="•"/>
             </a:pPr>
             <a:r>
-              <a:rPr lang="en-GB"/>
+              <a:rPr lang="en-GB" dirty="0"/>
               <a:t>Limited performance due to artifacts (hair, low contrast) and poor generalizability.</a:t>
             </a:r>
           </a:p>
           <a:p>
             <a:r>
-              <a:rPr lang="en-GB" b="1"/>
+              <a:rPr lang="en-GB" b="1" dirty="0"/>
               <a:t>Deep Learning Advances:</a:t>
             </a:r>
           </a:p>
@@ -27529,43 +27534,43 @@
               <a:buChar char="•"/>
             </a:pPr>
             <a:r>
-              <a:rPr lang="en-GB" b="1"/>
+              <a:rPr lang="en-GB" b="1" dirty="0"/>
               <a:t>CNN Architectures</a:t>
             </a:r>
             <a:r>
-              <a:rPr lang="en-GB"/>
+              <a:rPr lang="en-GB" dirty="0"/>
               <a:t> (</a:t>
             </a:r>
             <a:r>
-              <a:rPr lang="en-GB" err="1"/>
+              <a:rPr lang="en-GB" dirty="0" err="1"/>
               <a:t>AlexNet</a:t>
             </a:r>
             <a:r>
-              <a:rPr lang="en-GB"/>
+              <a:rPr lang="en-GB" dirty="0"/>
               <a:t>, VGG, </a:t>
             </a:r>
             <a:r>
-              <a:rPr lang="en-GB" err="1"/>
+              <a:rPr lang="en-GB" dirty="0" err="1"/>
               <a:t>ResNet</a:t>
             </a:r>
             <a:r>
-              <a:rPr lang="en-GB"/>
+              <a:rPr lang="en-GB" dirty="0"/>
               <a:t>, </a:t>
             </a:r>
             <a:r>
-              <a:rPr lang="en-GB" err="1"/>
+              <a:rPr lang="en-GB" dirty="0" err="1"/>
               <a:t>DenseNet</a:t>
             </a:r>
             <a:r>
-              <a:rPr lang="en-GB"/>
+              <a:rPr lang="en-GB" dirty="0"/>
               <a:t>, </a:t>
             </a:r>
             <a:r>
-              <a:rPr lang="en-GB" err="1"/>
+              <a:rPr lang="en-GB" dirty="0" err="1"/>
               <a:t>EfficientNet</a:t>
             </a:r>
             <a:r>
-              <a:rPr lang="en-GB"/>
+              <a:rPr lang="en-GB" dirty="0"/>
               <a:t>) vastly outperformed classical methods.</a:t>
             </a:r>
           </a:p>
@@ -27575,24 +27580,24 @@
               <a:buChar char="•"/>
             </a:pPr>
             <a:r>
-              <a:rPr lang="en-GB" b="1"/>
+              <a:rPr lang="en-GB" b="1" dirty="0"/>
               <a:t>Hybrid Models</a:t>
             </a:r>
             <a:r>
-              <a:rPr lang="en-GB"/>
+              <a:rPr lang="en-GB" dirty="0"/>
               <a:t> (e.g., </a:t>
             </a:r>
             <a:r>
-              <a:rPr lang="en-GB" err="1"/>
+              <a:rPr lang="en-GB" dirty="0" err="1"/>
               <a:t>AlexNet</a:t>
             </a:r>
             <a:r>
-              <a:rPr lang="en-GB"/>
-              <a:t> + Grey Wolf Optimizer) achieved &gt;99% accuracy on ISIC datasets​.</a:t>
-            </a:r>
-          </a:p>
-          <a:p>
-            <a:endParaRPr lang="en-BD"/>
+              <a:rPr lang="en-GB" dirty="0"/>
+              <a:t> + Grey Wolf Optimizer) achieved &gt;90% accuracy on ISIC datasets​.</a:t>
+            </a:r>
+          </a:p>
+          <a:p>
+            <a:endParaRPr lang="en-BD" dirty="0"/>
           </a:p>
         </p:txBody>
       </p:sp>
@@ -28307,7 +28312,7 @@
             </a:pPr>
             <a:r>
               <a:rPr lang="en-GB" dirty="0"/>
-              <a:t>Achieved high accuracy (up to 96%–100%) on datasets like HAM10000​.</a:t>
+              <a:t>Achieved high accuracy on datasets like HAM10000​.</a:t>
             </a:r>
           </a:p>
           <a:p>
